--- a/Project Presentation.pptx
+++ b/Project Presentation.pptx
@@ -105,11 +105,120 @@
       </a:defRPr>
     </a:lvl9pPr>
   </p:defaultTextStyle>
+  <p:extLst>
+    <p:ext uri="{EFAFB233-063F-42B5-8137-9DF3F51BA10A}">
+      <p15:sldGuideLst xmlns:p15="http://schemas.microsoft.com/office/powerpoint/2012/main"/>
+    </p:ext>
+  </p:extLst>
 </p:presentation>
 </file>
 
 <file path=ppt/changesInfos/changesInfo1.xml><?xml version="1.0" encoding="utf-8"?>
 <pc:chgInfo xmlns:a="http://schemas.openxmlformats.org/drawingml/2006/main" xmlns:r="http://schemas.openxmlformats.org/officeDocument/2006/relationships" xmlns:ac="http://schemas.microsoft.com/office/drawing/2013/main/command" xmlns:pc="http://schemas.microsoft.com/office/powerpoint/2013/main/command">
+  <pc:docChgLst>
+    <pc:chgData name="Sagiv Levi" userId="acaf76a2d73682d4" providerId="LiveId" clId="{EA366C6F-594E-44F5-A838-4FCB63BAA8D0}"/>
+    <pc:docChg chg="modSld">
+      <pc:chgData name="Sagiv Levi" userId="acaf76a2d73682d4" providerId="LiveId" clId="{EA366C6F-594E-44F5-A838-4FCB63BAA8D0}" dt="2025-10-26T20:10:50.349" v="822" actId="14838"/>
+      <pc:docMkLst>
+        <pc:docMk/>
+      </pc:docMkLst>
+      <pc:sldChg chg="addSp delSp modSp mod">
+        <pc:chgData name="Sagiv Levi" userId="acaf76a2d73682d4" providerId="LiveId" clId="{EA366C6F-594E-44F5-A838-4FCB63BAA8D0}" dt="2025-10-26T20:10:50.349" v="822" actId="14838"/>
+        <pc:sldMkLst>
+          <pc:docMk/>
+          <pc:sldMk cId="1440928284" sldId="257"/>
+        </pc:sldMkLst>
+        <pc:spChg chg="mod ord">
+          <ac:chgData name="Sagiv Levi" userId="acaf76a2d73682d4" providerId="LiveId" clId="{EA366C6F-594E-44F5-A838-4FCB63BAA8D0}" dt="2025-10-26T20:10:50.349" v="822" actId="14838"/>
+          <ac:spMkLst>
+            <pc:docMk/>
+            <pc:sldMk cId="1440928284" sldId="257"/>
+            <ac:spMk id="5" creationId="{9F0A8D20-0F04-1CDC-2CA8-D44588A9ABA6}"/>
+          </ac:spMkLst>
+        </pc:spChg>
+        <pc:picChg chg="mod">
+          <ac:chgData name="Sagiv Levi" userId="acaf76a2d73682d4" providerId="LiveId" clId="{EA366C6F-594E-44F5-A838-4FCB63BAA8D0}" dt="2025-10-26T20:00:16.965" v="391" actId="1076"/>
+          <ac:picMkLst>
+            <pc:docMk/>
+            <pc:sldMk cId="1440928284" sldId="257"/>
+            <ac:picMk id="10" creationId="{17484063-78D6-F055-8E19-2F32CAF800D4}"/>
+          </ac:picMkLst>
+        </pc:picChg>
+        <pc:picChg chg="mod">
+          <ac:chgData name="Sagiv Levi" userId="acaf76a2d73682d4" providerId="LiveId" clId="{EA366C6F-594E-44F5-A838-4FCB63BAA8D0}" dt="2025-10-26T20:00:07.357" v="388" actId="1036"/>
+          <ac:picMkLst>
+            <pc:docMk/>
+            <pc:sldMk cId="1440928284" sldId="257"/>
+            <ac:picMk id="15" creationId="{1C010834-1CBB-C502-14D7-B6B2C4960605}"/>
+          </ac:picMkLst>
+        </pc:picChg>
+        <pc:picChg chg="mod">
+          <ac:chgData name="Sagiv Levi" userId="acaf76a2d73682d4" providerId="LiveId" clId="{EA366C6F-594E-44F5-A838-4FCB63BAA8D0}" dt="2025-10-26T20:00:07.357" v="388" actId="1036"/>
+          <ac:picMkLst>
+            <pc:docMk/>
+            <pc:sldMk cId="1440928284" sldId="257"/>
+            <ac:picMk id="22" creationId="{0D88B877-B798-D293-F7A7-70FEDD6E1B56}"/>
+          </ac:picMkLst>
+        </pc:picChg>
+        <pc:picChg chg="mod">
+          <ac:chgData name="Sagiv Levi" userId="acaf76a2d73682d4" providerId="LiveId" clId="{EA366C6F-594E-44F5-A838-4FCB63BAA8D0}" dt="2025-10-26T20:00:14.405" v="390" actId="1076"/>
+          <ac:picMkLst>
+            <pc:docMk/>
+            <pc:sldMk cId="1440928284" sldId="257"/>
+            <ac:picMk id="23" creationId="{0E65D96D-3790-CDE5-41D6-EE518CFC5256}"/>
+          </ac:picMkLst>
+        </pc:picChg>
+        <pc:picChg chg="mod">
+          <ac:chgData name="Sagiv Levi" userId="acaf76a2d73682d4" providerId="LiveId" clId="{EA366C6F-594E-44F5-A838-4FCB63BAA8D0}" dt="2025-10-26T20:00:07.357" v="388" actId="1036"/>
+          <ac:picMkLst>
+            <pc:docMk/>
+            <pc:sldMk cId="1440928284" sldId="257"/>
+            <ac:picMk id="24" creationId="{07E3ADA3-04B1-AE2D-6AC6-3D49A9948C91}"/>
+          </ac:picMkLst>
+        </pc:picChg>
+        <pc:picChg chg="mod">
+          <ac:chgData name="Sagiv Levi" userId="acaf76a2d73682d4" providerId="LiveId" clId="{EA366C6F-594E-44F5-A838-4FCB63BAA8D0}" dt="2025-10-26T20:00:23.821" v="394" actId="1036"/>
+          <ac:picMkLst>
+            <pc:docMk/>
+            <pc:sldMk cId="1440928284" sldId="257"/>
+            <ac:picMk id="26" creationId="{AF6CE4B4-7CDC-C3BA-A96A-19D7FC1E0788}"/>
+          </ac:picMkLst>
+        </pc:picChg>
+        <pc:picChg chg="add del">
+          <ac:chgData name="Sagiv Levi" userId="acaf76a2d73682d4" providerId="LiveId" clId="{EA366C6F-594E-44F5-A838-4FCB63BAA8D0}" dt="2025-10-26T19:53:01.241" v="69" actId="478"/>
+          <ac:picMkLst>
+            <pc:docMk/>
+            <pc:sldMk cId="1440928284" sldId="257"/>
+            <ac:picMk id="1026" creationId="{3D12ECC5-BC8C-932B-EBB0-0C86599E359B}"/>
+          </ac:picMkLst>
+        </pc:picChg>
+        <pc:picChg chg="add del mod">
+          <ac:chgData name="Sagiv Levi" userId="acaf76a2d73682d4" providerId="LiveId" clId="{EA366C6F-594E-44F5-A838-4FCB63BAA8D0}" dt="2025-10-26T19:54:56.630" v="216" actId="478"/>
+          <ac:picMkLst>
+            <pc:docMk/>
+            <pc:sldMk cId="1440928284" sldId="257"/>
+            <ac:picMk id="1028" creationId="{BF646AD0-F65F-05C5-2824-69BA9AFC5AAD}"/>
+          </ac:picMkLst>
+        </pc:picChg>
+        <pc:picChg chg="add mod">
+          <ac:chgData name="Sagiv Levi" userId="acaf76a2d73682d4" providerId="LiveId" clId="{EA366C6F-594E-44F5-A838-4FCB63BAA8D0}" dt="2025-10-26T20:04:28.692" v="511" actId="167"/>
+          <ac:picMkLst>
+            <pc:docMk/>
+            <pc:sldMk cId="1440928284" sldId="257"/>
+            <ac:picMk id="1030" creationId="{883E0135-484D-CD60-4BDA-85CFE7C91113}"/>
+          </ac:picMkLst>
+        </pc:picChg>
+        <pc:picChg chg="del">
+          <ac:chgData name="Sagiv Levi" userId="acaf76a2d73682d4" providerId="LiveId" clId="{EA366C6F-594E-44F5-A838-4FCB63BAA8D0}" dt="2025-10-26T19:53:01.241" v="69" actId="478"/>
+          <ac:picMkLst>
+            <pc:docMk/>
+            <pc:sldMk cId="1440928284" sldId="257"/>
+            <ac:picMk id="2050" creationId="{88DA4454-7924-310B-AA48-C327EF5E6008}"/>
+          </ac:picMkLst>
+        </pc:picChg>
+      </pc:sldChg>
+    </pc:docChg>
+  </pc:docChgLst>
   <pc:docChgLst>
     <pc:chgData name="Sagiv Levi" userId="acaf76a2d73682d4" providerId="LiveId" clId="{4C53D355-ABAD-46E1-8FBB-E43AD2334A45}"/>
     <pc:docChg chg="undo custSel addSld modSld sldOrd">
@@ -645,7 +754,7 @@
           <a:p>
             <a:fld id="{2700D25C-7774-462D-9252-D7F55B3E9211}" type="datetimeFigureOut">
               <a:rPr lang="en-IL" smtClean="0"/>
-              <a:t>21/10/2025</a:t>
+              <a:t>26/10/2025</a:t>
             </a:fld>
             <a:endParaRPr lang="en-IL"/>
           </a:p>
@@ -845,7 +954,7 @@
           <a:p>
             <a:fld id="{2700D25C-7774-462D-9252-D7F55B3E9211}" type="datetimeFigureOut">
               <a:rPr lang="en-IL" smtClean="0"/>
-              <a:t>21/10/2025</a:t>
+              <a:t>26/10/2025</a:t>
             </a:fld>
             <a:endParaRPr lang="en-IL"/>
           </a:p>
@@ -1055,7 +1164,7 @@
           <a:p>
             <a:fld id="{2700D25C-7774-462D-9252-D7F55B3E9211}" type="datetimeFigureOut">
               <a:rPr lang="en-IL" smtClean="0"/>
-              <a:t>21/10/2025</a:t>
+              <a:t>26/10/2025</a:t>
             </a:fld>
             <a:endParaRPr lang="en-IL"/>
           </a:p>
@@ -1255,7 +1364,7 @@
           <a:p>
             <a:fld id="{2700D25C-7774-462D-9252-D7F55B3E9211}" type="datetimeFigureOut">
               <a:rPr lang="en-IL" smtClean="0"/>
-              <a:t>21/10/2025</a:t>
+              <a:t>26/10/2025</a:t>
             </a:fld>
             <a:endParaRPr lang="en-IL"/>
           </a:p>
@@ -1531,7 +1640,7 @@
           <a:p>
             <a:fld id="{2700D25C-7774-462D-9252-D7F55B3E9211}" type="datetimeFigureOut">
               <a:rPr lang="en-IL" smtClean="0"/>
-              <a:t>21/10/2025</a:t>
+              <a:t>26/10/2025</a:t>
             </a:fld>
             <a:endParaRPr lang="en-IL"/>
           </a:p>
@@ -1799,7 +1908,7 @@
           <a:p>
             <a:fld id="{2700D25C-7774-462D-9252-D7F55B3E9211}" type="datetimeFigureOut">
               <a:rPr lang="en-IL" smtClean="0"/>
-              <a:t>21/10/2025</a:t>
+              <a:t>26/10/2025</a:t>
             </a:fld>
             <a:endParaRPr lang="en-IL"/>
           </a:p>
@@ -2214,7 +2323,7 @@
           <a:p>
             <a:fld id="{2700D25C-7774-462D-9252-D7F55B3E9211}" type="datetimeFigureOut">
               <a:rPr lang="en-IL" smtClean="0"/>
-              <a:t>21/10/2025</a:t>
+              <a:t>26/10/2025</a:t>
             </a:fld>
             <a:endParaRPr lang="en-IL"/>
           </a:p>
@@ -2356,7 +2465,7 @@
           <a:p>
             <a:fld id="{2700D25C-7774-462D-9252-D7F55B3E9211}" type="datetimeFigureOut">
               <a:rPr lang="en-IL" smtClean="0"/>
-              <a:t>21/10/2025</a:t>
+              <a:t>26/10/2025</a:t>
             </a:fld>
             <a:endParaRPr lang="en-IL"/>
           </a:p>
@@ -2469,7 +2578,7 @@
           <a:p>
             <a:fld id="{2700D25C-7774-462D-9252-D7F55B3E9211}" type="datetimeFigureOut">
               <a:rPr lang="en-IL" smtClean="0"/>
-              <a:t>21/10/2025</a:t>
+              <a:t>26/10/2025</a:t>
             </a:fld>
             <a:endParaRPr lang="en-IL"/>
           </a:p>
@@ -2782,7 +2891,7 @@
           <a:p>
             <a:fld id="{2700D25C-7774-462D-9252-D7F55B3E9211}" type="datetimeFigureOut">
               <a:rPr lang="en-IL" smtClean="0"/>
-              <a:t>21/10/2025</a:t>
+              <a:t>26/10/2025</a:t>
             </a:fld>
             <a:endParaRPr lang="en-IL"/>
           </a:p>
@@ -3071,7 +3180,7 @@
           <a:p>
             <a:fld id="{2700D25C-7774-462D-9252-D7F55B3E9211}" type="datetimeFigureOut">
               <a:rPr lang="en-IL" smtClean="0"/>
-              <a:t>21/10/2025</a:t>
+              <a:t>26/10/2025</a:t>
             </a:fld>
             <a:endParaRPr lang="en-IL"/>
           </a:p>
@@ -3314,7 +3423,7 @@
           <a:p>
             <a:fld id="{2700D25C-7774-462D-9252-D7F55B3E9211}" type="datetimeFigureOut">
               <a:rPr lang="en-IL" smtClean="0"/>
-              <a:t>21/10/2025</a:t>
+              <a:t>26/10/2025</a:t>
             </a:fld>
             <a:endParaRPr lang="en-IL"/>
           </a:p>
@@ -3733,10 +3842,10 @@
       </p:grpSpPr>
       <p:pic>
         <p:nvPicPr>
-          <p:cNvPr id="2050" name="Picture 2" descr="Abstract background with technology. Electronic connection design.  Communication and engineering concept. Vector illustration 41854962 Vector  Art at Vecteezy">
-            <a:extLst>
-              <a:ext uri="{FF2B5EF4-FFF2-40B4-BE49-F238E27FC236}">
-                <a16:creationId xmlns:a16="http://schemas.microsoft.com/office/drawing/2014/main" id="{88DA4454-7924-310B-AA48-C327EF5E6008}"/>
+          <p:cNvPr id="1030" name="Picture 6" descr="Enhancing Security with the Implementation of the Internet of Things">
+            <a:extLst>
+              <a:ext uri="{FF2B5EF4-FFF2-40B4-BE49-F238E27FC236}">
+                <a16:creationId xmlns:a16="http://schemas.microsoft.com/office/drawing/2014/main" id="{883E0135-484D-CD60-4BDA-85CFE7C91113}"/>
               </a:ext>
             </a:extLst>
           </p:cNvPr>
@@ -3747,6 +3856,7 @@
         </p:nvPicPr>
         <p:blipFill>
           <a:blip r:embed="rId2">
+            <a:alphaModFix amt="46000"/>
             <a:extLst>
               <a:ext uri="{28A0092B-C50C-407E-A947-70E740481C1C}">
                 <a14:useLocalDpi xmlns:a14="http://schemas.microsoft.com/office/drawing/2010/main" val="0"/>
@@ -3760,13 +3870,25 @@
         </p:blipFill>
         <p:spPr bwMode="auto">
           <a:xfrm>
-            <a:off x="0" y="-2130"/>
+            <a:off x="0" y="0"/>
             <a:ext cx="12192000" cy="6858000"/>
           </a:xfrm>
           <a:prstGeom prst="rect">
             <a:avLst/>
           </a:prstGeom>
           <a:noFill/>
+          <a:effectLst>
+            <a:reflection endPos="0" dist="50800" dir="5400000" sy="-100000" algn="bl" rotWithShape="0"/>
+          </a:effectLst>
+          <a:extLst>
+            <a:ext uri="{909E8E84-426E-40DD-AFC4-6F175D3DCCD1}">
+              <a14:hiddenFill xmlns:a14="http://schemas.microsoft.com/office/drawing/2010/main">
+                <a:solidFill>
+                  <a:srgbClr val="FFFFFF"/>
+                </a:solidFill>
+              </a14:hiddenFill>
+            </a:ext>
+          </a:extLst>
         </p:spPr>
       </p:pic>
       <p:sp>
@@ -3783,8 +3905,8 @@
         </p:nvSpPr>
         <p:spPr>
           <a:xfrm>
-            <a:off x="187547" y="131771"/>
-            <a:ext cx="7803162" cy="1754326"/>
+            <a:off x="316861" y="48647"/>
+            <a:ext cx="5594409" cy="1754326"/>
           </a:xfrm>
           <a:prstGeom prst="rect">
             <a:avLst/>
@@ -3792,104 +3914,83 @@
           <a:noFill/>
         </p:spPr>
         <p:txBody>
-          <a:bodyPr wrap="none" lIns="91440" tIns="45720" rIns="91440" bIns="45720">
+          <a:bodyPr wrap="square" lIns="91440" tIns="45720" rIns="91440" bIns="45720">
             <a:spAutoFit/>
+            <a:scene3d>
+              <a:camera prst="orthographicFront"/>
+              <a:lightRig rig="soft" dir="t">
+                <a:rot lat="0" lon="0" rev="15600000"/>
+              </a:lightRig>
+            </a:scene3d>
+            <a:sp3d extrusionH="57150" prstMaterial="softEdge">
+              <a:bevelT w="25400" h="38100"/>
+            </a:sp3d>
           </a:bodyPr>
           <a:lstStyle/>
           <a:p>
-            <a:pPr algn="l"/>
+            <a:pPr algn="ctr"/>
             <a:r>
               <a:rPr lang="en-US" sz="5400" b="1" dirty="0">
-                <a:ln w="12700" cmpd="sng">
+                <a:ln cmpd="sng">
                   <a:solidFill>
-                    <a:schemeClr val="accent4"/>
+                    <a:schemeClr val="accent1"/>
                   </a:solidFill>
-                  <a:prstDash val="solid"/>
                 </a:ln>
-                <a:gradFill>
-                  <a:gsLst>
-                    <a:gs pos="0">
-                      <a:schemeClr val="accent4"/>
-                    </a:gs>
-                    <a:gs pos="4000">
-                      <a:schemeClr val="accent4">
-                        <a:lumMod val="60000"/>
-                        <a:lumOff val="40000"/>
-                      </a:schemeClr>
-                    </a:gs>
-                    <a:gs pos="87000">
-                      <a:schemeClr val="accent4">
-                        <a:lumMod val="20000"/>
-                        <a:lumOff val="80000"/>
-                      </a:schemeClr>
-                    </a:gs>
-                  </a:gsLst>
-                  <a:lin ang="5400000"/>
-                </a:gradFill>
+                <a:pattFill prst="trellis">
+                  <a:fgClr>
+                    <a:srgbClr val="002060"/>
+                  </a:fgClr>
+                  <a:bgClr>
+                    <a:srgbClr val="FFC000"/>
+                  </a:bgClr>
+                </a:pattFill>
+                <a:effectLst>
+                  <a:glow rad="63500">
+                    <a:schemeClr val="accent4">
+                      <a:lumMod val="75000"/>
+                      <a:alpha val="40000"/>
+                    </a:schemeClr>
+                  </a:glow>
+                  <a:outerShdw blurRad="50800" dist="38100" dir="5400000" algn="t" rotWithShape="0">
+                    <a:prstClr val="black">
+                      <a:alpha val="40000"/>
+                    </a:prstClr>
+                  </a:outerShdw>
+                  <a:reflection blurRad="6350" stA="23000" endPos="45500" dir="5400000" sy="-100000" algn="bl" rotWithShape="0"/>
+                </a:effectLst>
+                <a:latin typeface="Arial Black" panose="020B0A04020102020204" pitchFamily="34" charset="0"/>
               </a:rPr>
-              <a:t>IOT DEVICES </a:t>
-            </a:r>
-          </a:p>
-          <a:p>
-            <a:pPr algn="l"/>
-            <a:r>
-              <a:rPr lang="en-US" sz="5400" b="1" dirty="0">
-                <a:ln w="12700" cmpd="sng">
-                  <a:solidFill>
-                    <a:schemeClr val="accent4"/>
-                  </a:solidFill>
-                  <a:prstDash val="solid"/>
-                </a:ln>
-                <a:gradFill>
-                  <a:gsLst>
-                    <a:gs pos="0">
-                      <a:schemeClr val="accent4"/>
-                    </a:gs>
-                    <a:gs pos="4000">
-                      <a:schemeClr val="accent4">
-                        <a:lumMod val="60000"/>
-                        <a:lumOff val="40000"/>
-                      </a:schemeClr>
-                    </a:gs>
-                    <a:gs pos="87000">
-                      <a:schemeClr val="accent4">
-                        <a:lumMod val="20000"/>
-                        <a:lumOff val="80000"/>
-                      </a:schemeClr>
-                    </a:gs>
-                  </a:gsLst>
-                  <a:lin ang="5400000"/>
-                </a:gradFill>
-              </a:rPr>
-              <a:t>ANOMALIES DETECTION</a:t>
+              <a:t>IoT Anomalies Detection</a:t>
             </a:r>
             <a:endParaRPr lang="en-IL" sz="5400" b="1" dirty="0">
-              <a:ln w="12700" cmpd="sng">
+              <a:ln cmpd="sng">
                 <a:solidFill>
-                  <a:schemeClr val="accent4"/>
+                  <a:schemeClr val="accent1"/>
                 </a:solidFill>
-                <a:prstDash val="solid"/>
               </a:ln>
-              <a:gradFill>
-                <a:gsLst>
-                  <a:gs pos="0">
-                    <a:schemeClr val="accent4"/>
-                  </a:gs>
-                  <a:gs pos="4000">
-                    <a:schemeClr val="accent4">
-                      <a:lumMod val="60000"/>
-                      <a:lumOff val="40000"/>
-                    </a:schemeClr>
-                  </a:gs>
-                  <a:gs pos="87000">
-                    <a:schemeClr val="accent4">
-                      <a:lumMod val="20000"/>
-                      <a:lumOff val="80000"/>
-                    </a:schemeClr>
-                  </a:gs>
-                </a:gsLst>
-                <a:lin ang="5400000"/>
-              </a:gradFill>
+              <a:pattFill prst="trellis">
+                <a:fgClr>
+                  <a:srgbClr val="002060"/>
+                </a:fgClr>
+                <a:bgClr>
+                  <a:srgbClr val="FFC000"/>
+                </a:bgClr>
+              </a:pattFill>
+              <a:effectLst>
+                <a:glow rad="63500">
+                  <a:schemeClr val="accent4">
+                    <a:lumMod val="75000"/>
+                    <a:alpha val="40000"/>
+                  </a:schemeClr>
+                </a:glow>
+                <a:outerShdw blurRad="50800" dist="38100" dir="5400000" algn="t" rotWithShape="0">
+                  <a:prstClr val="black">
+                    <a:alpha val="40000"/>
+                  </a:prstClr>
+                </a:outerShdw>
+                <a:reflection blurRad="6350" stA="23000" endPos="45500" dir="5400000" sy="-100000" algn="bl" rotWithShape="0"/>
+              </a:effectLst>
+              <a:latin typeface="Arial Black" panose="020B0A04020102020204" pitchFamily="34" charset="0"/>
             </a:endParaRPr>
           </a:p>
         </p:txBody>
@@ -3930,7 +4031,7 @@
         </p:blipFill>
         <p:spPr>
           <a:xfrm>
-            <a:off x="8376077" y="3066340"/>
+            <a:off x="1615640" y="3166208"/>
             <a:ext cx="721059" cy="721059"/>
           </a:xfrm>
           <a:prstGeom prst="rect">
@@ -3974,7 +4075,7 @@
         </p:blipFill>
         <p:spPr>
           <a:xfrm>
-            <a:off x="251140" y="2312836"/>
+            <a:off x="189876" y="4335595"/>
             <a:ext cx="1187867" cy="811071"/>
           </a:xfrm>
           <a:prstGeom prst="rect">
@@ -4018,7 +4119,7 @@
         </p:blipFill>
         <p:spPr>
           <a:xfrm>
-            <a:off x="10153440" y="2184552"/>
+            <a:off x="0" y="3085844"/>
             <a:ext cx="1567623" cy="881788"/>
           </a:xfrm>
           <a:prstGeom prst="rect">
@@ -4055,7 +4156,7 @@
         </p:blipFill>
         <p:spPr>
           <a:xfrm>
-            <a:off x="2211804" y="2660172"/>
+            <a:off x="304639" y="2032170"/>
             <a:ext cx="958339" cy="958339"/>
           </a:xfrm>
           <a:prstGeom prst="rect">
@@ -4101,7 +4202,7 @@
         </p:blipFill>
         <p:spPr>
           <a:xfrm>
-            <a:off x="4270267" y="2833134"/>
+            <a:off x="1641693" y="2128700"/>
             <a:ext cx="811071" cy="811071"/>
           </a:xfrm>
           <a:prstGeom prst="rect">
@@ -4145,7 +4246,7 @@
         </p:blipFill>
         <p:spPr>
           <a:xfrm>
-            <a:off x="6403051" y="3238670"/>
+            <a:off x="2950117" y="2168500"/>
             <a:ext cx="721059" cy="728812"/>
           </a:xfrm>
           <a:prstGeom prst="rect">
